--- a/fig/svm.pptx
+++ b/fig/svm.pptx
@@ -290,7 +290,7 @@
           <a:p>
             <a:fld id="{C762E0C6-B84E-45A0-8742-508234C2C89C}" type="datetimeFigureOut">
               <a:rPr kumimoji="1" lang="ja-JP" altLang="en-US" smtClean="0"/>
-              <a:t>2017/11/7</a:t>
+              <a:t>2017/11/16</a:t>
             </a:fld>
             <a:endParaRPr kumimoji="1" lang="ja-JP" altLang="en-US"/>
           </a:p>
@@ -492,7 +492,7 @@
           <a:p>
             <a:fld id="{C762E0C6-B84E-45A0-8742-508234C2C89C}" type="datetimeFigureOut">
               <a:rPr kumimoji="1" lang="ja-JP" altLang="en-US" smtClean="0"/>
-              <a:t>2017/11/7</a:t>
+              <a:t>2017/11/16</a:t>
             </a:fld>
             <a:endParaRPr kumimoji="1" lang="ja-JP" altLang="en-US"/>
           </a:p>
@@ -704,7 +704,7 @@
           <a:p>
             <a:fld id="{C762E0C6-B84E-45A0-8742-508234C2C89C}" type="datetimeFigureOut">
               <a:rPr kumimoji="1" lang="ja-JP" altLang="en-US" smtClean="0"/>
-              <a:t>2017/11/7</a:t>
+              <a:t>2017/11/16</a:t>
             </a:fld>
             <a:endParaRPr kumimoji="1" lang="ja-JP" altLang="en-US"/>
           </a:p>
@@ -906,7 +906,7 @@
           <a:p>
             <a:fld id="{C762E0C6-B84E-45A0-8742-508234C2C89C}" type="datetimeFigureOut">
               <a:rPr kumimoji="1" lang="ja-JP" altLang="en-US" smtClean="0"/>
-              <a:t>2017/11/7</a:t>
+              <a:t>2017/11/16</a:t>
             </a:fld>
             <a:endParaRPr kumimoji="1" lang="ja-JP" altLang="en-US"/>
           </a:p>
@@ -1152,7 +1152,7 @@
           <a:p>
             <a:fld id="{C762E0C6-B84E-45A0-8742-508234C2C89C}" type="datetimeFigureOut">
               <a:rPr kumimoji="1" lang="ja-JP" altLang="en-US" smtClean="0"/>
-              <a:t>2017/11/7</a:t>
+              <a:t>2017/11/16</a:t>
             </a:fld>
             <a:endParaRPr kumimoji="1" lang="ja-JP" altLang="en-US"/>
           </a:p>
@@ -1504,7 +1504,7 @@
           <a:p>
             <a:fld id="{C762E0C6-B84E-45A0-8742-508234C2C89C}" type="datetimeFigureOut">
               <a:rPr kumimoji="1" lang="ja-JP" altLang="en-US" smtClean="0"/>
-              <a:t>2017/11/7</a:t>
+              <a:t>2017/11/16</a:t>
             </a:fld>
             <a:endParaRPr kumimoji="1" lang="ja-JP" altLang="en-US"/>
           </a:p>
@@ -1990,7 +1990,7 @@
           <a:p>
             <a:fld id="{C762E0C6-B84E-45A0-8742-508234C2C89C}" type="datetimeFigureOut">
               <a:rPr kumimoji="1" lang="ja-JP" altLang="en-US" smtClean="0"/>
-              <a:t>2017/11/7</a:t>
+              <a:t>2017/11/16</a:t>
             </a:fld>
             <a:endParaRPr kumimoji="1" lang="ja-JP" altLang="en-US"/>
           </a:p>
@@ -2108,7 +2108,7 @@
           <a:p>
             <a:fld id="{C762E0C6-B84E-45A0-8742-508234C2C89C}" type="datetimeFigureOut">
               <a:rPr kumimoji="1" lang="ja-JP" altLang="en-US" smtClean="0"/>
-              <a:t>2017/11/7</a:t>
+              <a:t>2017/11/16</a:t>
             </a:fld>
             <a:endParaRPr kumimoji="1" lang="ja-JP" altLang="en-US"/>
           </a:p>
@@ -2203,7 +2203,7 @@
           <a:p>
             <a:fld id="{C762E0C6-B84E-45A0-8742-508234C2C89C}" type="datetimeFigureOut">
               <a:rPr kumimoji="1" lang="ja-JP" altLang="en-US" smtClean="0"/>
-              <a:t>2017/11/7</a:t>
+              <a:t>2017/11/16</a:t>
             </a:fld>
             <a:endParaRPr kumimoji="1" lang="ja-JP" altLang="en-US"/>
           </a:p>
@@ -2512,7 +2512,7 @@
           <a:p>
             <a:fld id="{C762E0C6-B84E-45A0-8742-508234C2C89C}" type="datetimeFigureOut">
               <a:rPr kumimoji="1" lang="ja-JP" altLang="en-US" smtClean="0"/>
-              <a:t>2017/11/7</a:t>
+              <a:t>2017/11/16</a:t>
             </a:fld>
             <a:endParaRPr kumimoji="1" lang="ja-JP" altLang="en-US"/>
           </a:p>
@@ -2765,7 +2765,7 @@
           <a:p>
             <a:fld id="{C762E0C6-B84E-45A0-8742-508234C2C89C}" type="datetimeFigureOut">
               <a:rPr kumimoji="1" lang="ja-JP" altLang="en-US" smtClean="0"/>
-              <a:t>2017/11/7</a:t>
+              <a:t>2017/11/16</a:t>
             </a:fld>
             <a:endParaRPr kumimoji="1" lang="ja-JP" altLang="en-US"/>
           </a:p>
@@ -3010,7 +3010,7 @@
           <a:p>
             <a:fld id="{C762E0C6-B84E-45A0-8742-508234C2C89C}" type="datetimeFigureOut">
               <a:rPr kumimoji="1" lang="ja-JP" altLang="en-US" smtClean="0"/>
-              <a:t>2017/11/7</a:t>
+              <a:t>2017/11/16</a:t>
             </a:fld>
             <a:endParaRPr kumimoji="1" lang="ja-JP" altLang="en-US"/>
           </a:p>
@@ -3933,7 +3933,7 @@
             <a:graphicData uri="http://schemas.openxmlformats.org/presentationml/2006/ole">
               <mc:AlternateContent xmlns:mc="http://schemas.openxmlformats.org/markup-compatibility/2006">
                 <mc:Choice xmlns:v="urn:schemas-microsoft-com:vml" Requires="v">
-                  <p:oleObj spid="_x0000_s1084" name="数式" r:id="rId3" imgW="431640" imgH="203040" progId="Equation.3">
+                  <p:oleObj spid="_x0000_s1105" name="数式" r:id="rId3" imgW="431640" imgH="203040" progId="Equation.3">
                     <p:embed/>
                   </p:oleObj>
                 </mc:Choice>
@@ -4041,7 +4041,7 @@
             <a:graphicData uri="http://schemas.openxmlformats.org/presentationml/2006/ole">
               <mc:AlternateContent xmlns:mc="http://schemas.openxmlformats.org/markup-compatibility/2006">
                 <mc:Choice xmlns:v="urn:schemas-microsoft-com:vml" Requires="v">
-                  <p:oleObj spid="_x0000_s1085" name="数式" r:id="rId5" imgW="330120" imgH="203040" progId="Equation.3">
+                  <p:oleObj spid="_x0000_s1106" name="数式" r:id="rId5" imgW="330120" imgH="203040" progId="Equation.3">
                     <p:embed/>
                   </p:oleObj>
                 </mc:Choice>
@@ -4227,7 +4227,7 @@
           <a:graphicData uri="http://schemas.openxmlformats.org/presentationml/2006/ole">
             <mc:AlternateContent xmlns:mc="http://schemas.openxmlformats.org/markup-compatibility/2006">
               <mc:Choice xmlns:v="urn:schemas-microsoft-com:vml" Requires="v">
-                <p:oleObj spid="_x0000_s1086" name="数式" r:id="rId7" imgW="330120" imgH="203040" progId="Equation.3">
+                <p:oleObj spid="_x0000_s1107" name="数式" r:id="rId7" imgW="330120" imgH="203040" progId="Equation.3">
                   <p:embed/>
                 </p:oleObj>
               </mc:Choice>
@@ -4310,7 +4310,7 @@
           <a:graphicData uri="http://schemas.openxmlformats.org/presentationml/2006/ole">
             <mc:AlternateContent xmlns:mc="http://schemas.openxmlformats.org/markup-compatibility/2006">
               <mc:Choice xmlns:v="urn:schemas-microsoft-com:vml" Requires="v">
-                <p:oleObj spid="_x0000_s1087" name="数式" r:id="rId9" imgW="355320" imgH="203040" progId="Equation.3">
+                <p:oleObj spid="_x0000_s1108" name="数式" r:id="rId9" imgW="355320" imgH="203040" progId="Equation.3">
                   <p:embed/>
                 </p:oleObj>
               </mc:Choice>
@@ -4393,7 +4393,7 @@
           <a:graphicData uri="http://schemas.openxmlformats.org/presentationml/2006/ole">
             <mc:AlternateContent xmlns:mc="http://schemas.openxmlformats.org/markup-compatibility/2006">
               <mc:Choice xmlns:v="urn:schemas-microsoft-com:vml" Requires="v">
-                <p:oleObj spid="_x0000_s1088" name="数式" r:id="rId11" imgW="431640" imgH="203040" progId="Equation.3">
+                <p:oleObj spid="_x0000_s1109" name="数式" r:id="rId11" imgW="431640" imgH="203040" progId="Equation.3">
                   <p:embed/>
                 </p:oleObj>
               </mc:Choice>
@@ -4476,7 +4476,7 @@
           <a:graphicData uri="http://schemas.openxmlformats.org/presentationml/2006/ole">
             <mc:AlternateContent xmlns:mc="http://schemas.openxmlformats.org/markup-compatibility/2006">
               <mc:Choice xmlns:v="urn:schemas-microsoft-com:vml" Requires="v">
-                <p:oleObj spid="_x0000_s1089" name="数式" r:id="rId13" imgW="177480" imgH="228600" progId="Equation.3">
+                <p:oleObj spid="_x0000_s1110" name="数式" r:id="rId13" imgW="177480" imgH="228600" progId="Equation.3">
                   <p:embed/>
                 </p:oleObj>
               </mc:Choice>
@@ -4584,25 +4584,25 @@
           <p:nvPr>
             <p:extLst>
               <p:ext uri="{D42A27DB-BD31-4B8C-83A1-F6EECF244321}">
-                <p14:modId xmlns:p14="http://schemas.microsoft.com/office/powerpoint/2010/main" val="801812926"/>
+                <p14:modId xmlns:p14="http://schemas.microsoft.com/office/powerpoint/2010/main" val="4188968997"/>
               </p:ext>
             </p:extLst>
           </p:nvPr>
         </p:nvGraphicFramePr>
         <p:xfrm>
-          <a:off x="5364088" y="1268760"/>
-          <a:ext cx="1892300" cy="908050"/>
+          <a:off x="5045918" y="1152798"/>
+          <a:ext cx="2838450" cy="908050"/>
         </p:xfrm>
         <a:graphic>
           <a:graphicData uri="http://schemas.openxmlformats.org/presentationml/2006/ole">
             <mc:AlternateContent xmlns:mc="http://schemas.openxmlformats.org/markup-compatibility/2006">
               <mc:Choice xmlns:v="urn:schemas-microsoft-com:vml" Requires="v">
-                <p:oleObj spid="_x0000_s1090" name="数式" r:id="rId15" imgW="990360" imgH="469800" progId="Equation.3">
+                <p:oleObj spid="_x0000_s1111" name="数式" r:id="rId15" imgW="1485720" imgH="469800" progId="Equation.3">
                   <p:embed/>
                 </p:oleObj>
               </mc:Choice>
               <mc:Fallback>
-                <p:oleObj name="数式" r:id="rId15" imgW="990360" imgH="469800" progId="Equation.3">
+                <p:oleObj name="数式" r:id="rId15" imgW="1485720" imgH="469800" progId="Equation.3">
                   <p:embed/>
                   <p:pic>
                     <p:nvPicPr>
@@ -4621,8 +4621,8 @@
                     </p:blipFill>
                     <p:spPr bwMode="auto">
                       <a:xfrm>
-                        <a:off x="5364088" y="1268760"/>
-                        <a:ext cx="1892300" cy="908050"/>
+                        <a:off x="5045918" y="1152798"/>
+                        <a:ext cx="2838450" cy="908050"/>
                       </a:xfrm>
                       <a:prstGeom prst="rect">
                         <a:avLst/>
@@ -5285,7 +5285,7 @@
             <a:graphicData uri="http://schemas.openxmlformats.org/presentationml/2006/ole">
               <mc:AlternateContent xmlns:mc="http://schemas.openxmlformats.org/markup-compatibility/2006">
                 <mc:Choice xmlns:v="urn:schemas-microsoft-com:vml" Requires="v">
-                  <p:oleObj spid="_x0000_s2100" name="数式" r:id="rId3" imgW="431640" imgH="203040" progId="Equation.3">
+                  <p:oleObj spid="_x0000_s2127" name="数式" r:id="rId3" imgW="431640" imgH="203040" progId="Equation.3">
                     <p:embed/>
                   </p:oleObj>
                 </mc:Choice>
@@ -5393,7 +5393,7 @@
             <a:graphicData uri="http://schemas.openxmlformats.org/presentationml/2006/ole">
               <mc:AlternateContent xmlns:mc="http://schemas.openxmlformats.org/markup-compatibility/2006">
                 <mc:Choice xmlns:v="urn:schemas-microsoft-com:vml" Requires="v">
-                  <p:oleObj spid="_x0000_s2101" name="数式" r:id="rId5" imgW="330120" imgH="203040" progId="Equation.3">
+                  <p:oleObj spid="_x0000_s2128" name="数式" r:id="rId5" imgW="330120" imgH="203040" progId="Equation.3">
                     <p:embed/>
                   </p:oleObj>
                 </mc:Choice>
@@ -5579,7 +5579,7 @@
           <a:graphicData uri="http://schemas.openxmlformats.org/presentationml/2006/ole">
             <mc:AlternateContent xmlns:mc="http://schemas.openxmlformats.org/markup-compatibility/2006">
               <mc:Choice xmlns:v="urn:schemas-microsoft-com:vml" Requires="v">
-                <p:oleObj spid="_x0000_s2102" name="数式" r:id="rId7" imgW="330120" imgH="203040" progId="Equation.3">
+                <p:oleObj spid="_x0000_s2129" name="数式" r:id="rId7" imgW="330120" imgH="203040" progId="Equation.3">
                   <p:embed/>
                 </p:oleObj>
               </mc:Choice>
@@ -5662,7 +5662,7 @@
           <a:graphicData uri="http://schemas.openxmlformats.org/presentationml/2006/ole">
             <mc:AlternateContent xmlns:mc="http://schemas.openxmlformats.org/markup-compatibility/2006">
               <mc:Choice xmlns:v="urn:schemas-microsoft-com:vml" Requires="v">
-                <p:oleObj spid="_x0000_s2103" name="数式" r:id="rId9" imgW="355320" imgH="203040" progId="Equation.3">
+                <p:oleObj spid="_x0000_s2130" name="数式" r:id="rId9" imgW="355320" imgH="203040" progId="Equation.3">
                   <p:embed/>
                 </p:oleObj>
               </mc:Choice>
@@ -5745,7 +5745,7 @@
           <a:graphicData uri="http://schemas.openxmlformats.org/presentationml/2006/ole">
             <mc:AlternateContent xmlns:mc="http://schemas.openxmlformats.org/markup-compatibility/2006">
               <mc:Choice xmlns:v="urn:schemas-microsoft-com:vml" Requires="v">
-                <p:oleObj spid="_x0000_s2104" name="数式" r:id="rId11" imgW="431640" imgH="203040" progId="Equation.3">
+                <p:oleObj spid="_x0000_s2131" name="数式" r:id="rId11" imgW="431640" imgH="203040" progId="Equation.3">
                   <p:embed/>
                 </p:oleObj>
               </mc:Choice>
@@ -5866,7 +5866,7 @@
           <a:graphicData uri="http://schemas.openxmlformats.org/presentationml/2006/ole">
             <mc:AlternateContent xmlns:mc="http://schemas.openxmlformats.org/markup-compatibility/2006">
               <mc:Choice xmlns:v="urn:schemas-microsoft-com:vml" Requires="v">
-                <p:oleObj spid="_x0000_s2105" name="数式" r:id="rId13" imgW="355320" imgH="203040" progId="Equation.3">
+                <p:oleObj spid="_x0000_s2132" name="数式" r:id="rId13" imgW="355320" imgH="203040" progId="Equation.3">
                   <p:embed/>
                 </p:oleObj>
               </mc:Choice>
@@ -5949,7 +5949,7 @@
           <a:graphicData uri="http://schemas.openxmlformats.org/presentationml/2006/ole">
             <mc:AlternateContent xmlns:mc="http://schemas.openxmlformats.org/markup-compatibility/2006">
               <mc:Choice xmlns:v="urn:schemas-microsoft-com:vml" Requires="v">
-                <p:oleObj spid="_x0000_s2106" name="数式" r:id="rId15" imgW="355320" imgH="203040" progId="Equation.3">
+                <p:oleObj spid="_x0000_s2133" name="数式" r:id="rId15" imgW="355320" imgH="203040" progId="Equation.3">
                   <p:embed/>
                 </p:oleObj>
               </mc:Choice>
@@ -6038,7 +6038,7 @@
           <a:graphicData uri="http://schemas.openxmlformats.org/presentationml/2006/ole">
             <mc:AlternateContent xmlns:mc="http://schemas.openxmlformats.org/markup-compatibility/2006">
               <mc:Choice xmlns:v="urn:schemas-microsoft-com:vml" Requires="v">
-                <p:oleObj spid="_x0000_s2107" name="数式" r:id="rId17" imgW="330120" imgH="203040" progId="Equation.3">
+                <p:oleObj spid="_x0000_s2134" name="数式" r:id="rId17" imgW="330120" imgH="203040" progId="Equation.3">
                   <p:embed/>
                 </p:oleObj>
               </mc:Choice>
@@ -6206,7 +6206,7 @@
           <a:graphicData uri="http://schemas.openxmlformats.org/presentationml/2006/ole">
             <mc:AlternateContent xmlns:mc="http://schemas.openxmlformats.org/markup-compatibility/2006">
               <mc:Choice xmlns:v="urn:schemas-microsoft-com:vml" Requires="v">
-                <p:oleObj spid="_x0000_s2108" name="数式" r:id="rId19" imgW="330120" imgH="203040" progId="Equation.3">
+                <p:oleObj spid="_x0000_s2135" name="数式" r:id="rId19" imgW="330120" imgH="203040" progId="Equation.3">
                   <p:embed/>
                 </p:oleObj>
               </mc:Choice>
@@ -7074,7 +7074,7 @@
           <a:graphicData uri="http://schemas.openxmlformats.org/presentationml/2006/ole">
             <mc:AlternateContent xmlns:mc="http://schemas.openxmlformats.org/markup-compatibility/2006">
               <mc:Choice xmlns:v="urn:schemas-microsoft-com:vml" Requires="v">
-                <p:oleObj spid="_x0000_s3084" name="数式" r:id="rId3" imgW="152280" imgH="215640" progId="Equation.3">
+                <p:oleObj spid="_x0000_s3096" name="数式" r:id="rId3" imgW="152280" imgH="215640" progId="Equation.3">
                   <p:embed/>
                 </p:oleObj>
               </mc:Choice>
@@ -7157,7 +7157,7 @@
           <a:graphicData uri="http://schemas.openxmlformats.org/presentationml/2006/ole">
             <mc:AlternateContent xmlns:mc="http://schemas.openxmlformats.org/markup-compatibility/2006">
               <mc:Choice xmlns:v="urn:schemas-microsoft-com:vml" Requires="v">
-                <p:oleObj spid="_x0000_s3085" name="数式" r:id="rId5" imgW="152280" imgH="215640" progId="Equation.3">
+                <p:oleObj spid="_x0000_s3097" name="数式" r:id="rId5" imgW="152280" imgH="215640" progId="Equation.3">
                   <p:embed/>
                 </p:oleObj>
               </mc:Choice>
@@ -7240,7 +7240,7 @@
           <a:graphicData uri="http://schemas.openxmlformats.org/presentationml/2006/ole">
             <mc:AlternateContent xmlns:mc="http://schemas.openxmlformats.org/markup-compatibility/2006">
               <mc:Choice xmlns:v="urn:schemas-microsoft-com:vml" Requires="v">
-                <p:oleObj spid="_x0000_s3086" name="数式" r:id="rId7" imgW="164880" imgH="215640" progId="Equation.3">
+                <p:oleObj spid="_x0000_s3098" name="数式" r:id="rId7" imgW="164880" imgH="215640" progId="Equation.3">
                   <p:embed/>
                 </p:oleObj>
               </mc:Choice>
@@ -7323,7 +7323,7 @@
           <a:graphicData uri="http://schemas.openxmlformats.org/presentationml/2006/ole">
             <mc:AlternateContent xmlns:mc="http://schemas.openxmlformats.org/markup-compatibility/2006">
               <mc:Choice xmlns:v="urn:schemas-microsoft-com:vml" Requires="v">
-                <p:oleObj spid="_x0000_s3087" name="数式" r:id="rId9" imgW="164880" imgH="215640" progId="Equation.3">
+                <p:oleObj spid="_x0000_s3099" name="数式" r:id="rId9" imgW="164880" imgH="215640" progId="Equation.3">
                   <p:embed/>
                 </p:oleObj>
               </mc:Choice>
